--- a/Jan24_Recitation/EE312H_Recitation_Jan24.pptx
+++ b/Jan24_Recitation/EE312H_Recitation_Jan24.pptx
@@ -19384,6 +19384,88 @@
           </a:p>
         </p:txBody>
       </p:sp>
+      <p:sp>
+        <p:nvSpPr>
+          <p:cNvPr id="4" name="TextBox 3">
+            <a:extLst>
+              <a:ext uri="{FF2B5EF4-FFF2-40B4-BE49-F238E27FC236}">
+                <a16:creationId xmlns:a16="http://schemas.microsoft.com/office/drawing/2014/main" id="{DC2648C0-3349-41A4-BFBB-689FF8E830B0}"/>
+              </a:ext>
+            </a:extLst>
+          </p:cNvPr>
+          <p:cNvSpPr txBox="1"/>
+          <p:nvPr/>
+        </p:nvSpPr>
+        <p:spPr>
+          <a:xfrm>
+            <a:off x="211129" y="4065967"/>
+            <a:ext cx="4279900" cy="646331"/>
+          </a:xfrm>
+          <a:prstGeom prst="rect">
+            <a:avLst/>
+          </a:prstGeom>
+          <a:noFill/>
+        </p:spPr>
+        <p:txBody>
+          <a:bodyPr wrap="square" rtlCol="0">
+            <a:spAutoFit/>
+          </a:bodyPr>
+          <a:lstStyle/>
+          <a:p>
+            <a:r>
+              <a:rPr lang="en-US" dirty="0"/>
+              <a:t>All examples used can be found at https://github.com/1sand0s/EE312H</a:t>
+            </a:r>
+          </a:p>
+        </p:txBody>
+      </p:sp>
+      <p:sp>
+        <p:nvSpPr>
+          <p:cNvPr id="46" name="Rectangle 45">
+            <a:extLst>
+              <a:ext uri="{FF2B5EF4-FFF2-40B4-BE49-F238E27FC236}">
+                <a16:creationId xmlns:a16="http://schemas.microsoft.com/office/drawing/2014/main" id="{ADD1FC1F-A4D1-4B70-B712-C1C014465FC2}"/>
+              </a:ext>
+            </a:extLst>
+          </p:cNvPr>
+          <p:cNvSpPr/>
+          <p:nvPr/>
+        </p:nvSpPr>
+        <p:spPr>
+          <a:xfrm>
+            <a:off x="211129" y="4065967"/>
+            <a:ext cx="3878271" cy="646331"/>
+          </a:xfrm>
+          <a:prstGeom prst="rect">
+            <a:avLst/>
+          </a:prstGeom>
+          <a:noFill/>
+        </p:spPr>
+        <p:style>
+          <a:lnRef idx="2">
+            <a:schemeClr val="accent1">
+              <a:shade val="50000"/>
+            </a:schemeClr>
+          </a:lnRef>
+          <a:fillRef idx="1">
+            <a:schemeClr val="accent1"/>
+          </a:fillRef>
+          <a:effectRef idx="0">
+            <a:schemeClr val="accent1"/>
+          </a:effectRef>
+          <a:fontRef idx="minor">
+            <a:schemeClr val="lt1"/>
+          </a:fontRef>
+        </p:style>
+        <p:txBody>
+          <a:bodyPr rtlCol="0" anchor="ctr"/>
+          <a:lstStyle/>
+          <a:p>
+            <a:pPr algn="ctr"/>
+            <a:endParaRPr lang="en-US"/>
+          </a:p>
+        </p:txBody>
+      </p:sp>
     </p:spTree>
     <p:extLst>
       <p:ext uri="{BB962C8B-B14F-4D97-AF65-F5344CB8AC3E}">
@@ -19394,6 +19476,87 @@
   <p:clrMapOvr>
     <a:masterClrMapping/>
   </p:clrMapOvr>
+  <p:timing>
+    <p:tnLst>
+      <p:par>
+        <p:cTn id="1" dur="indefinite" restart="never" nodeType="tmRoot">
+          <p:childTnLst>
+            <p:seq concurrent="1" nextAc="seek">
+              <p:cTn id="2" dur="indefinite" nodeType="mainSeq">
+                <p:childTnLst>
+                  <p:par>
+                    <p:cTn id="3" fill="hold">
+                      <p:stCondLst>
+                        <p:cond delay="indefinite"/>
+                        <p:cond evt="onBegin" delay="0">
+                          <p:tn val="2"/>
+                        </p:cond>
+                      </p:stCondLst>
+                      <p:childTnLst>
+                        <p:par>
+                          <p:cTn id="4" fill="hold">
+                            <p:stCondLst>
+                              <p:cond delay="0"/>
+                            </p:stCondLst>
+                            <p:childTnLst>
+                              <p:par>
+                                <p:cTn id="5" presetID="1" presetClass="entr" presetSubtype="0" fill="hold" grpId="0" nodeType="withEffect">
+                                  <p:stCondLst>
+                                    <p:cond delay="0"/>
+                                  </p:stCondLst>
+                                  <p:childTnLst>
+                                    <p:set>
+                                      <p:cBhvr>
+                                        <p:cTn id="6" dur="1" fill="hold">
+                                          <p:stCondLst>
+                                            <p:cond delay="0"/>
+                                          </p:stCondLst>
+                                        </p:cTn>
+                                        <p:tgtEl>
+                                          <p:spTgt spid="46"/>
+                                        </p:tgtEl>
+                                        <p:attrNameLst>
+                                          <p:attrName>style.visibility</p:attrName>
+                                        </p:attrNameLst>
+                                      </p:cBhvr>
+                                      <p:to>
+                                        <p:strVal val="visible"/>
+                                      </p:to>
+                                    </p:set>
+                                  </p:childTnLst>
+                                </p:cTn>
+                              </p:par>
+                            </p:childTnLst>
+                          </p:cTn>
+                        </p:par>
+                      </p:childTnLst>
+                    </p:cTn>
+                  </p:par>
+                </p:childTnLst>
+              </p:cTn>
+              <p:prevCondLst>
+                <p:cond evt="onPrev" delay="0">
+                  <p:tgtEl>
+                    <p:sldTgt/>
+                  </p:tgtEl>
+                </p:cond>
+              </p:prevCondLst>
+              <p:nextCondLst>
+                <p:cond evt="onNext" delay="0">
+                  <p:tgtEl>
+                    <p:sldTgt/>
+                  </p:tgtEl>
+                </p:cond>
+              </p:nextCondLst>
+            </p:seq>
+          </p:childTnLst>
+        </p:cTn>
+      </p:par>
+    </p:tnLst>
+    <p:bldLst>
+      <p:bldP spid="46" grpId="0" animBg="1"/>
+    </p:bldLst>
+  </p:timing>
 </p:sld>
 </file>
 

--- a/Jan24_Recitation/EE312H_Recitation_Jan24.pptx
+++ b/Jan24_Recitation/EE312H_Recitation_Jan24.pptx
@@ -18778,9 +18778,6 @@
                     <p:cTn id="3" fill="hold">
                       <p:stCondLst>
                         <p:cond delay="indefinite"/>
-                        <p:cond evt="onBegin" delay="0">
-                          <p:tn val="2"/>
-                        </p:cond>
                       </p:stCondLst>
                       <p:childTnLst>
                         <p:par>
@@ -18790,7 +18787,7 @@
                             </p:stCondLst>
                             <p:childTnLst>
                               <p:par>
-                                <p:cTn id="5" presetID="1" presetClass="entr" presetSubtype="0" fill="hold" grpId="0" nodeType="withEffect">
+                                <p:cTn id="5" presetID="1" presetClass="entr" presetSubtype="0" fill="hold" grpId="0" nodeType="clickEffect">
                                   <p:stCondLst>
                                     <p:cond delay="0"/>
                                   </p:stCondLst>
@@ -18803,7 +18800,7 @@
                                           </p:stCondLst>
                                         </p:cTn>
                                         <p:tgtEl>
-                                          <p:spTgt spid="16"/>
+                                          <p:spTgt spid="13"/>
                                         </p:tgtEl>
                                         <p:attrNameLst>
                                           <p:attrName>style.visibility</p:attrName>
@@ -18817,7 +18814,7 @@
                                 </p:cTn>
                               </p:par>
                               <p:par>
-                                <p:cTn id="7" presetID="1" presetClass="entr" presetSubtype="0" fill="hold" nodeType="withEffect">
+                                <p:cTn id="7" presetID="1" presetClass="entr" presetSubtype="0" fill="hold" grpId="0" nodeType="withEffect">
                                   <p:stCondLst>
                                     <p:cond delay="0"/>
                                   </p:stCondLst>
@@ -18830,7 +18827,7 @@
                                           </p:stCondLst>
                                         </p:cTn>
                                         <p:tgtEl>
-                                          <p:spTgt spid="15"/>
+                                          <p:spTgt spid="14"/>
                                         </p:tgtEl>
                                         <p:attrNameLst>
                                           <p:attrName>style.visibility</p:attrName>
@@ -18844,7 +18841,7 @@
                                 </p:cTn>
                               </p:par>
                               <p:par>
-                                <p:cTn id="9" presetID="1" presetClass="entr" presetSubtype="0" fill="hold" grpId="0" nodeType="withEffect">
+                                <p:cTn id="9" presetID="1" presetClass="entr" presetSubtype="0" fill="hold" nodeType="withEffect">
                                   <p:stCondLst>
                                     <p:cond delay="0"/>
                                   </p:stCondLst>
@@ -18857,7 +18854,7 @@
                                           </p:stCondLst>
                                         </p:cTn>
                                         <p:tgtEl>
-                                          <p:spTgt spid="13"/>
+                                          <p:spTgt spid="15"/>
                                         </p:tgtEl>
                                         <p:attrNameLst>
                                           <p:attrName>style.visibility</p:attrName>
@@ -18884,7 +18881,7 @@
                                           </p:stCondLst>
                                         </p:cTn>
                                         <p:tgtEl>
-                                          <p:spTgt spid="14"/>
+                                          <p:spTgt spid="16"/>
                                         </p:tgtEl>
                                         <p:attrNameLst>
                                           <p:attrName>style.visibility</p:attrName>
@@ -18897,26 +18894,35 @@
                                   </p:childTnLst>
                                 </p:cTn>
                               </p:par>
-                            </p:childTnLst>
-                          </p:cTn>
-                        </p:par>
-                      </p:childTnLst>
-                    </p:cTn>
-                  </p:par>
-                  <p:par>
-                    <p:cTn id="13" fill="hold">
-                      <p:stCondLst>
-                        <p:cond delay="indefinite"/>
-                      </p:stCondLst>
-                      <p:childTnLst>
-                        <p:par>
-                          <p:cTn id="14" fill="hold">
-                            <p:stCondLst>
-                              <p:cond delay="0"/>
-                            </p:stCondLst>
-                            <p:childTnLst>
                               <p:par>
-                                <p:cTn id="15" presetID="1" presetClass="entr" presetSubtype="0" fill="hold" grpId="0" nodeType="clickEffect">
+                                <p:cTn id="13" presetID="1" presetClass="entr" presetSubtype="0" fill="hold" grpId="0" nodeType="withEffect">
+                                  <p:stCondLst>
+                                    <p:cond delay="0"/>
+                                  </p:stCondLst>
+                                  <p:childTnLst>
+                                    <p:set>
+                                      <p:cBhvr>
+                                        <p:cTn id="14" dur="1" fill="hold">
+                                          <p:stCondLst>
+                                            <p:cond delay="0"/>
+                                          </p:stCondLst>
+                                        </p:cTn>
+                                        <p:tgtEl>
+                                          <p:spTgt spid="23"/>
+                                        </p:tgtEl>
+                                        <p:attrNameLst>
+                                          <p:attrName>style.visibility</p:attrName>
+                                        </p:attrNameLst>
+                                      </p:cBhvr>
+                                      <p:to>
+                                        <p:strVal val="visible"/>
+                                      </p:to>
+                                    </p:set>
+                                  </p:childTnLst>
+                                </p:cTn>
+                              </p:par>
+                              <p:par>
+                                <p:cTn id="15" presetID="1" presetClass="entr" presetSubtype="0" fill="hold" nodeType="withEffect">
                                   <p:stCondLst>
                                     <p:cond delay="0"/>
                                   </p:stCondLst>
@@ -18929,7 +18935,7 @@
                                           </p:stCondLst>
                                         </p:cTn>
                                         <p:tgtEl>
-                                          <p:spTgt spid="20"/>
+                                          <p:spTgt spid="24"/>
                                         </p:tgtEl>
                                         <p:attrNameLst>
                                           <p:attrName>style.visibility</p:attrName>
@@ -18942,33 +18948,15 @@
                                   </p:childTnLst>
                                 </p:cTn>
                               </p:par>
-                            </p:childTnLst>
-                          </p:cTn>
-                        </p:par>
-                      </p:childTnLst>
-                    </p:cTn>
-                  </p:par>
-                  <p:par>
-                    <p:cTn id="17" fill="hold">
-                      <p:stCondLst>
-                        <p:cond delay="indefinite"/>
-                      </p:stCondLst>
-                      <p:childTnLst>
-                        <p:par>
-                          <p:cTn id="18" fill="hold">
-                            <p:stCondLst>
-                              <p:cond delay="0"/>
-                            </p:stCondLst>
-                            <p:childTnLst>
                               <p:par>
-                                <p:cTn id="19" presetID="1" presetClass="entr" presetSubtype="0" fill="hold" grpId="0" nodeType="clickEffect">
+                                <p:cTn id="17" presetID="1" presetClass="entr" presetSubtype="0" fill="hold" grpId="0" nodeType="withEffect">
                                   <p:stCondLst>
                                     <p:cond delay="0"/>
                                   </p:stCondLst>
                                   <p:childTnLst>
                                     <p:set>
                                       <p:cBhvr>
-                                        <p:cTn id="20" dur="1" fill="hold">
+                                        <p:cTn id="18" dur="1" fill="hold">
                                           <p:stCondLst>
                                             <p:cond delay="0"/>
                                           </p:stCondLst>
@@ -18988,47 +18976,20 @@
                                 </p:cTn>
                               </p:par>
                               <p:par>
-                                <p:cTn id="21" presetID="1" presetClass="entr" presetSubtype="0" fill="hold" grpId="0" nodeType="withEffect">
+                                <p:cTn id="19" presetID="1" presetClass="entr" presetSubtype="0" fill="hold" grpId="0" nodeType="withEffect">
                                   <p:stCondLst>
                                     <p:cond delay="0"/>
                                   </p:stCondLst>
                                   <p:childTnLst>
                                     <p:set>
                                       <p:cBhvr>
-                                        <p:cTn id="22" dur="1" fill="hold">
+                                        <p:cTn id="20" dur="1" fill="hold">
                                           <p:stCondLst>
                                             <p:cond delay="0"/>
                                           </p:stCondLst>
                                         </p:cTn>
                                         <p:tgtEl>
-                                          <p:spTgt spid="23"/>
-                                        </p:tgtEl>
-                                        <p:attrNameLst>
-                                          <p:attrName>style.visibility</p:attrName>
-                                        </p:attrNameLst>
-                                      </p:cBhvr>
-                                      <p:to>
-                                        <p:strVal val="visible"/>
-                                      </p:to>
-                                    </p:set>
-                                  </p:childTnLst>
-                                </p:cTn>
-                              </p:par>
-                              <p:par>
-                                <p:cTn id="23" presetID="1" presetClass="entr" presetSubtype="0" fill="hold" nodeType="withEffect">
-                                  <p:stCondLst>
-                                    <p:cond delay="0"/>
-                                  </p:stCondLst>
-                                  <p:childTnLst>
-                                    <p:set>
-                                      <p:cBhvr>
-                                        <p:cTn id="24" dur="1" fill="hold">
-                                          <p:stCondLst>
-                                            <p:cond delay="0"/>
-                                          </p:stCondLst>
-                                        </p:cTn>
-                                        <p:tgtEl>
-                                          <p:spTgt spid="24"/>
+                                          <p:spTgt spid="20"/>
                                         </p:tgtEl>
                                         <p:attrNameLst>
                                           <p:attrName>style.visibility</p:attrName>
@@ -19476,87 +19437,6 @@
   <p:clrMapOvr>
     <a:masterClrMapping/>
   </p:clrMapOvr>
-  <p:timing>
-    <p:tnLst>
-      <p:par>
-        <p:cTn id="1" dur="indefinite" restart="never" nodeType="tmRoot">
-          <p:childTnLst>
-            <p:seq concurrent="1" nextAc="seek">
-              <p:cTn id="2" dur="indefinite" nodeType="mainSeq">
-                <p:childTnLst>
-                  <p:par>
-                    <p:cTn id="3" fill="hold">
-                      <p:stCondLst>
-                        <p:cond delay="indefinite"/>
-                        <p:cond evt="onBegin" delay="0">
-                          <p:tn val="2"/>
-                        </p:cond>
-                      </p:stCondLst>
-                      <p:childTnLst>
-                        <p:par>
-                          <p:cTn id="4" fill="hold">
-                            <p:stCondLst>
-                              <p:cond delay="0"/>
-                            </p:stCondLst>
-                            <p:childTnLst>
-                              <p:par>
-                                <p:cTn id="5" presetID="1" presetClass="entr" presetSubtype="0" fill="hold" grpId="0" nodeType="withEffect">
-                                  <p:stCondLst>
-                                    <p:cond delay="0"/>
-                                  </p:stCondLst>
-                                  <p:childTnLst>
-                                    <p:set>
-                                      <p:cBhvr>
-                                        <p:cTn id="6" dur="1" fill="hold">
-                                          <p:stCondLst>
-                                            <p:cond delay="0"/>
-                                          </p:stCondLst>
-                                        </p:cTn>
-                                        <p:tgtEl>
-                                          <p:spTgt spid="46"/>
-                                        </p:tgtEl>
-                                        <p:attrNameLst>
-                                          <p:attrName>style.visibility</p:attrName>
-                                        </p:attrNameLst>
-                                      </p:cBhvr>
-                                      <p:to>
-                                        <p:strVal val="visible"/>
-                                      </p:to>
-                                    </p:set>
-                                  </p:childTnLst>
-                                </p:cTn>
-                              </p:par>
-                            </p:childTnLst>
-                          </p:cTn>
-                        </p:par>
-                      </p:childTnLst>
-                    </p:cTn>
-                  </p:par>
-                </p:childTnLst>
-              </p:cTn>
-              <p:prevCondLst>
-                <p:cond evt="onPrev" delay="0">
-                  <p:tgtEl>
-                    <p:sldTgt/>
-                  </p:tgtEl>
-                </p:cond>
-              </p:prevCondLst>
-              <p:nextCondLst>
-                <p:cond evt="onNext" delay="0">
-                  <p:tgtEl>
-                    <p:sldTgt/>
-                  </p:tgtEl>
-                </p:cond>
-              </p:nextCondLst>
-            </p:seq>
-          </p:childTnLst>
-        </p:cTn>
-      </p:par>
-    </p:tnLst>
-    <p:bldLst>
-      <p:bldP spid="46" grpId="0" animBg="1"/>
-    </p:bldLst>
-  </p:timing>
 </p:sld>
 </file>
 
